--- a/Presentation1.pptx
+++ b/Presentation1.pptx
@@ -306,7 +306,7 @@
           <a:p>
             <a:fld id="{43B2EC87-8330-DF41-9413-7884B5602A1A}" type="datetimeFigureOut">
               <a:rPr lang="en-US" smtClean="0"/>
-              <a:t>02/07/19</a:t>
+              <a:t>12/09/19</a:t>
             </a:fld>
             <a:endParaRPr lang="en-US"/>
           </a:p>
@@ -476,7 +476,7 @@
           <a:p>
             <a:fld id="{43B2EC87-8330-DF41-9413-7884B5602A1A}" type="datetimeFigureOut">
               <a:rPr lang="en-US" smtClean="0"/>
-              <a:t>02/07/19</a:t>
+              <a:t>12/09/19</a:t>
             </a:fld>
             <a:endParaRPr lang="en-US"/>
           </a:p>
@@ -656,7 +656,7 @@
           <a:p>
             <a:fld id="{43B2EC87-8330-DF41-9413-7884B5602A1A}" type="datetimeFigureOut">
               <a:rPr lang="en-US" smtClean="0"/>
-              <a:t>02/07/19</a:t>
+              <a:t>12/09/19</a:t>
             </a:fld>
             <a:endParaRPr lang="en-US"/>
           </a:p>
@@ -826,7 +826,7 @@
           <a:p>
             <a:fld id="{43B2EC87-8330-DF41-9413-7884B5602A1A}" type="datetimeFigureOut">
               <a:rPr lang="en-US" smtClean="0"/>
-              <a:t>02/07/19</a:t>
+              <a:t>12/09/19</a:t>
             </a:fld>
             <a:endParaRPr lang="en-US"/>
           </a:p>
@@ -1072,7 +1072,7 @@
           <a:p>
             <a:fld id="{43B2EC87-8330-DF41-9413-7884B5602A1A}" type="datetimeFigureOut">
               <a:rPr lang="en-US" smtClean="0"/>
-              <a:t>02/07/19</a:t>
+              <a:t>12/09/19</a:t>
             </a:fld>
             <a:endParaRPr lang="en-US"/>
           </a:p>
@@ -1360,7 +1360,7 @@
           <a:p>
             <a:fld id="{43B2EC87-8330-DF41-9413-7884B5602A1A}" type="datetimeFigureOut">
               <a:rPr lang="en-US" smtClean="0"/>
-              <a:t>02/07/19</a:t>
+              <a:t>12/09/19</a:t>
             </a:fld>
             <a:endParaRPr lang="en-US"/>
           </a:p>
@@ -1782,7 +1782,7 @@
           <a:p>
             <a:fld id="{43B2EC87-8330-DF41-9413-7884B5602A1A}" type="datetimeFigureOut">
               <a:rPr lang="en-US" smtClean="0"/>
-              <a:t>02/07/19</a:t>
+              <a:t>12/09/19</a:t>
             </a:fld>
             <a:endParaRPr lang="en-US"/>
           </a:p>
@@ -1900,7 +1900,7 @@
           <a:p>
             <a:fld id="{43B2EC87-8330-DF41-9413-7884B5602A1A}" type="datetimeFigureOut">
               <a:rPr lang="en-US" smtClean="0"/>
-              <a:t>02/07/19</a:t>
+              <a:t>12/09/19</a:t>
             </a:fld>
             <a:endParaRPr lang="en-US"/>
           </a:p>
@@ -1995,7 +1995,7 @@
           <a:p>
             <a:fld id="{43B2EC87-8330-DF41-9413-7884B5602A1A}" type="datetimeFigureOut">
               <a:rPr lang="en-US" smtClean="0"/>
-              <a:t>02/07/19</a:t>
+              <a:t>12/09/19</a:t>
             </a:fld>
             <a:endParaRPr lang="en-US"/>
           </a:p>
@@ -2272,7 +2272,7 @@
           <a:p>
             <a:fld id="{43B2EC87-8330-DF41-9413-7884B5602A1A}" type="datetimeFigureOut">
               <a:rPr lang="en-US" smtClean="0"/>
-              <a:t>02/07/19</a:t>
+              <a:t>12/09/19</a:t>
             </a:fld>
             <a:endParaRPr lang="en-US"/>
           </a:p>
@@ -2525,7 +2525,7 @@
           <a:p>
             <a:fld id="{43B2EC87-8330-DF41-9413-7884B5602A1A}" type="datetimeFigureOut">
               <a:rPr lang="en-US" smtClean="0"/>
-              <a:t>02/07/19</a:t>
+              <a:t>12/09/19</a:t>
             </a:fld>
             <a:endParaRPr lang="en-US"/>
           </a:p>
@@ -2738,7 +2738,7 @@
           <a:p>
             <a:fld id="{43B2EC87-8330-DF41-9413-7884B5602A1A}" type="datetimeFigureOut">
               <a:rPr lang="en-US" smtClean="0"/>
-              <a:t>02/07/19</a:t>
+              <a:t>12/09/19</a:t>
             </a:fld>
             <a:endParaRPr lang="en-US"/>
           </a:p>
@@ -6805,11 +6805,6 @@
               </a:rPr>
               <a:t>.</a:t>
             </a:r>
-            <a:endParaRPr lang="en-US" sz="1200" dirty="0" smtClean="0">
-              <a:solidFill>
-                <a:srgbClr val="10304A"/>
-              </a:solidFill>
-            </a:endParaRPr>
           </a:p>
         </p:txBody>
       </p:sp>
@@ -7073,11 +7068,6 @@
               </a:rPr>
               <a:t>.</a:t>
             </a:r>
-            <a:endParaRPr lang="en-US" sz="1200" dirty="0" smtClean="0">
-              <a:solidFill>
-                <a:srgbClr val="10304A"/>
-              </a:solidFill>
-            </a:endParaRPr>
           </a:p>
         </p:txBody>
       </p:sp>
@@ -7341,11 +7331,6 @@
               </a:rPr>
               <a:t>.</a:t>
             </a:r>
-            <a:endParaRPr lang="en-US" sz="1200" dirty="0" smtClean="0">
-              <a:solidFill>
-                <a:srgbClr val="10304A"/>
-              </a:solidFill>
-            </a:endParaRPr>
           </a:p>
         </p:txBody>
       </p:sp>
